--- a/slides/Unit16_Call By Reference.pptx
+++ b/slides/Unit16_Call By Reference.pptx
@@ -184,7 +184,7 @@
 <file path=ppt/revisionInfo.xml><?xml version="1.0" encoding="utf-8"?>
 <p1510:revInfo xmlns:a="http://schemas.openxmlformats.org/drawingml/2006/main" xmlns:r="http://schemas.openxmlformats.org/officeDocument/2006/relationships" xmlns:p1510="http://schemas.microsoft.com/office/powerpoint/2015/10/main">
   <p1510:revLst>
-    <p1510:client id="{8587B7E1-9267-45D4-81B6-34B2F5DB65BA}" v="5" dt="2024-03-08T09:30:16.020"/>
+    <p1510:client id="{8587B7E1-9267-45D4-81B6-34B2F5DB65BA}" v="7" dt="2024-03-12T01:43:49.799"/>
   </p1510:revLst>
 </p1510:revInfo>
 </file>
@@ -5021,7 +5021,7 @@
   <pc:docChgLst>
     <pc:chgData name="Zhao Jin" userId="cd05a825-544c-438a-9ba1-08e63db50b47" providerId="ADAL" clId="{8587B7E1-9267-45D4-81B6-34B2F5DB65BA}"/>
     <pc:docChg chg="undo custSel modSld">
-      <pc:chgData name="Zhao Jin" userId="cd05a825-544c-438a-9ba1-08e63db50b47" providerId="ADAL" clId="{8587B7E1-9267-45D4-81B6-34B2F5DB65BA}" dt="2024-03-08T09:35:59.688" v="26" actId="478"/>
+      <pc:chgData name="Zhao Jin" userId="cd05a825-544c-438a-9ba1-08e63db50b47" providerId="ADAL" clId="{8587B7E1-9267-45D4-81B6-34B2F5DB65BA}" dt="2024-03-12T01:43:49.799" v="28"/>
       <pc:docMkLst>
         <pc:docMk/>
       </pc:docMkLst>
@@ -5414,8 +5414,8 @@
           </ac:spMkLst>
         </pc:spChg>
       </pc:sldChg>
-      <pc:sldChg chg="modSp mod">
-        <pc:chgData name="Zhao Jin" userId="cd05a825-544c-438a-9ba1-08e63db50b47" providerId="ADAL" clId="{8587B7E1-9267-45D4-81B6-34B2F5DB65BA}" dt="2024-03-08T09:26:52.360" v="4"/>
+      <pc:sldChg chg="modSp mod modAnim">
+        <pc:chgData name="Zhao Jin" userId="cd05a825-544c-438a-9ba1-08e63db50b47" providerId="ADAL" clId="{8587B7E1-9267-45D4-81B6-34B2F5DB65BA}" dt="2024-03-12T01:43:49.799" v="28"/>
         <pc:sldMkLst>
           <pc:docMk/>
           <pc:sldMk cId="649273319" sldId="640"/>
@@ -9040,7 +9040,7 @@
               <a:pPr>
                 <a:defRPr/>
               </a:pPr>
-              <a:t>3/8/2024</a:t>
+              <a:t>3/12/2024</a:t>
             </a:fld>
             <a:endParaRPr lang="en-US" dirty="0"/>
           </a:p>
@@ -22167,7 +22167,7 @@
                                           </p:stCondLst>
                                         </p:cTn>
                                         <p:tgtEl>
-                                          <p:spTgt spid="2"/>
+                                          <p:spTgt spid="9"/>
                                         </p:tgtEl>
                                         <p:attrNameLst>
                                           <p:attrName>style.visibility</p:attrName>
@@ -22181,7 +22181,7 @@
                                       <p:cBhvr>
                                         <p:cTn id="7" dur="500"/>
                                         <p:tgtEl>
-                                          <p:spTgt spid="2"/>
+                                          <p:spTgt spid="9"/>
                                         </p:tgtEl>
                                       </p:cBhvr>
                                     </p:animEffect>
@@ -22220,7 +22220,7 @@
                                           </p:stCondLst>
                                         </p:cTn>
                                         <p:tgtEl>
-                                          <p:spTgt spid="9"/>
+                                          <p:spTgt spid="10"/>
                                         </p:tgtEl>
                                         <p:attrNameLst>
                                           <p:attrName>style.visibility</p:attrName>
@@ -22234,7 +22234,7 @@
                                       <p:cBhvr>
                                         <p:cTn id="12" dur="500"/>
                                         <p:tgtEl>
-                                          <p:spTgt spid="9"/>
+                                          <p:spTgt spid="10"/>
                                         </p:tgtEl>
                                       </p:cBhvr>
                                     </p:animEffect>
@@ -22273,7 +22273,7 @@
                                           </p:stCondLst>
                                         </p:cTn>
                                         <p:tgtEl>
-                                          <p:spTgt spid="10"/>
+                                          <p:spTgt spid="2"/>
                                         </p:tgtEl>
                                         <p:attrNameLst>
                                           <p:attrName>style.visibility</p:attrName>
@@ -22287,7 +22287,7 @@
                                       <p:cBhvr>
                                         <p:cTn id="17" dur="500"/>
                                         <p:tgtEl>
-                                          <p:spTgt spid="10"/>
+                                          <p:spTgt spid="2"/>
                                         </p:tgtEl>
                                       </p:cBhvr>
                                     </p:animEffect>
